--- a/miniOO/report.pptx
+++ b/miniOO/report.pptx
@@ -65,7 +65,11 @@
     <p:sldId id="317" r:id="rId59"/>
     <p:sldId id="318" r:id="rId60"/>
     <p:sldId id="319" r:id="rId61"/>
-    <p:sldId id="320" r:id="rId62"/>
+    <p:sldId id="321" r:id="rId62"/>
+    <p:sldId id="322" r:id="rId63"/>
+    <p:sldId id="323" r:id="rId64"/>
+    <p:sldId id="324" r:id="rId65"/>
+    <p:sldId id="320" r:id="rId66"/>
   </p:sldIdLst>
   <p:sldSz cx="12192000" cy="6858000"/>
   <p:notesSz cx="6858000" cy="9144000"/>
@@ -164,6 +168,11 @@
       </a:defRPr>
     </a:lvl9pPr>
   </p:defaultTextStyle>
+  <p:extLst>
+    <p:ext uri="{EFAFB233-063F-42B5-8137-9DF3F51BA10A}">
+      <p15:sldGuideLst xmlns:p15="http://schemas.microsoft.com/office/powerpoint/2012/main"/>
+    </p:ext>
+  </p:extLst>
 </p:presentation>
 </file>
 
@@ -326,7 +335,7 @@
           <a:p>
             <a:fld id="{967601D9-8771-4AF2-ACF5-16A4D58652C2}" type="datetimeFigureOut">
               <a:rPr lang="en-US" smtClean="0"/>
-              <a:t>10/31/2021</a:t>
+              <a:t>11/4/2021</a:t>
             </a:fld>
             <a:endParaRPr lang="en-US"/>
           </a:p>
@@ -524,7 +533,7 @@
           <a:p>
             <a:fld id="{967601D9-8771-4AF2-ACF5-16A4D58652C2}" type="datetimeFigureOut">
               <a:rPr lang="en-US" smtClean="0"/>
-              <a:t>10/31/2021</a:t>
+              <a:t>11/4/2021</a:t>
             </a:fld>
             <a:endParaRPr lang="en-US"/>
           </a:p>
@@ -732,7 +741,7 @@
           <a:p>
             <a:fld id="{967601D9-8771-4AF2-ACF5-16A4D58652C2}" type="datetimeFigureOut">
               <a:rPr lang="en-US" smtClean="0"/>
-              <a:t>10/31/2021</a:t>
+              <a:t>11/4/2021</a:t>
             </a:fld>
             <a:endParaRPr lang="en-US"/>
           </a:p>
@@ -930,7 +939,7 @@
           <a:p>
             <a:fld id="{967601D9-8771-4AF2-ACF5-16A4D58652C2}" type="datetimeFigureOut">
               <a:rPr lang="en-US" smtClean="0"/>
-              <a:t>10/31/2021</a:t>
+              <a:t>11/4/2021</a:t>
             </a:fld>
             <a:endParaRPr lang="en-US"/>
           </a:p>
@@ -1205,7 +1214,7 @@
           <a:p>
             <a:fld id="{967601D9-8771-4AF2-ACF5-16A4D58652C2}" type="datetimeFigureOut">
               <a:rPr lang="en-US" smtClean="0"/>
-              <a:t>10/31/2021</a:t>
+              <a:t>11/4/2021</a:t>
             </a:fld>
             <a:endParaRPr lang="en-US"/>
           </a:p>
@@ -1470,7 +1479,7 @@
           <a:p>
             <a:fld id="{967601D9-8771-4AF2-ACF5-16A4D58652C2}" type="datetimeFigureOut">
               <a:rPr lang="en-US" smtClean="0"/>
-              <a:t>10/31/2021</a:t>
+              <a:t>11/4/2021</a:t>
             </a:fld>
             <a:endParaRPr lang="en-US"/>
           </a:p>
@@ -1882,7 +1891,7 @@
           <a:p>
             <a:fld id="{967601D9-8771-4AF2-ACF5-16A4D58652C2}" type="datetimeFigureOut">
               <a:rPr lang="en-US" smtClean="0"/>
-              <a:t>10/31/2021</a:t>
+              <a:t>11/4/2021</a:t>
             </a:fld>
             <a:endParaRPr lang="en-US"/>
           </a:p>
@@ -2023,7 +2032,7 @@
           <a:p>
             <a:fld id="{967601D9-8771-4AF2-ACF5-16A4D58652C2}" type="datetimeFigureOut">
               <a:rPr lang="en-US" smtClean="0"/>
-              <a:t>10/31/2021</a:t>
+              <a:t>11/4/2021</a:t>
             </a:fld>
             <a:endParaRPr lang="en-US"/>
           </a:p>
@@ -2136,7 +2145,7 @@
           <a:p>
             <a:fld id="{967601D9-8771-4AF2-ACF5-16A4D58652C2}" type="datetimeFigureOut">
               <a:rPr lang="en-US" smtClean="0"/>
-              <a:t>10/31/2021</a:t>
+              <a:t>11/4/2021</a:t>
             </a:fld>
             <a:endParaRPr lang="en-US"/>
           </a:p>
@@ -2447,7 +2456,7 @@
           <a:p>
             <a:fld id="{967601D9-8771-4AF2-ACF5-16A4D58652C2}" type="datetimeFigureOut">
               <a:rPr lang="en-US" smtClean="0"/>
-              <a:t>10/31/2021</a:t>
+              <a:t>11/4/2021</a:t>
             </a:fld>
             <a:endParaRPr lang="en-US"/>
           </a:p>
@@ -2735,7 +2744,7 @@
           <a:p>
             <a:fld id="{967601D9-8771-4AF2-ACF5-16A4D58652C2}" type="datetimeFigureOut">
               <a:rPr lang="en-US" smtClean="0"/>
-              <a:t>10/31/2021</a:t>
+              <a:t>11/4/2021</a:t>
             </a:fld>
             <a:endParaRPr lang="en-US"/>
           </a:p>
@@ -2976,7 +2985,7 @@
           <a:p>
             <a:fld id="{967601D9-8771-4AF2-ACF5-16A4D58652C2}" type="datetimeFigureOut">
               <a:rPr lang="en-US" smtClean="0"/>
-              <a:t>10/31/2021</a:t>
+              <a:t>11/4/2021</a:t>
             </a:fld>
             <a:endParaRPr lang="en-US"/>
           </a:p>
@@ -7195,8 +7204,8 @@
           </a:p>
         </p:txBody>
       </p:sp>
-      <mc:AlternateContent xmlns:mc="http://schemas.openxmlformats.org/markup-compatibility/2006">
-        <mc:Choice xmlns:a14="http://schemas.microsoft.com/office/drawing/2010/main" Requires="a14">
+      <mc:AlternateContent xmlns:mc="http://schemas.openxmlformats.org/markup-compatibility/2006" xmlns:a14="http://schemas.microsoft.com/office/drawing/2010/main">
+        <mc:Choice Requires="a14">
           <p:sp>
             <p:nvSpPr>
               <p:cNvPr id="3" name="Content Placeholder 2">
@@ -7324,7 +7333,7 @@
             </p:txBody>
           </p:sp>
         </mc:Choice>
-        <mc:Fallback>
+        <mc:Fallback xmlns="">
           <p:sp>
             <p:nvSpPr>
               <p:cNvPr id="3" name="Content Placeholder 2">
@@ -13483,8 +13492,8 @@
           </a:p>
         </p:txBody>
       </p:sp>
-      <mc:AlternateContent xmlns:mc="http://schemas.openxmlformats.org/markup-compatibility/2006">
-        <mc:Choice xmlns:a14="http://schemas.microsoft.com/office/drawing/2010/main" Requires="a14">
+      <mc:AlternateContent xmlns:mc="http://schemas.openxmlformats.org/markup-compatibility/2006" xmlns:a14="http://schemas.microsoft.com/office/drawing/2010/main">
+        <mc:Choice Requires="a14">
           <p:sp>
             <p:nvSpPr>
               <p:cNvPr id="5" name="Content Placeholder 4">
@@ -13614,7 +13623,7 @@
             </p:txBody>
           </p:sp>
         </mc:Choice>
-        <mc:Fallback>
+        <mc:Fallback xmlns="">
           <p:sp>
             <p:nvSpPr>
               <p:cNvPr id="5" name="Content Placeholder 4">
@@ -15379,8 +15388,8 @@
           </a:p>
         </p:txBody>
       </p:sp>
-      <mc:AlternateContent xmlns:mc="http://schemas.openxmlformats.org/markup-compatibility/2006">
-        <mc:Choice xmlns:a14="http://schemas.microsoft.com/office/drawing/2010/main" Requires="a14">
+      <mc:AlternateContent xmlns:mc="http://schemas.openxmlformats.org/markup-compatibility/2006" xmlns:a14="http://schemas.microsoft.com/office/drawing/2010/main">
+        <mc:Choice Requires="a14">
           <p:sp>
             <p:nvSpPr>
               <p:cNvPr id="5" name="Content Placeholder 4">
@@ -15516,7 +15525,7 @@
             </p:txBody>
           </p:sp>
         </mc:Choice>
-        <mc:Fallback>
+        <mc:Fallback xmlns="">
           <p:sp>
             <p:nvSpPr>
               <p:cNvPr id="5" name="Content Placeholder 4">
@@ -17853,8 +17862,8 @@
           </a:p>
         </p:txBody>
       </p:sp>
-      <mc:AlternateContent xmlns:mc="http://schemas.openxmlformats.org/markup-compatibility/2006">
-        <mc:Choice xmlns:a14="http://schemas.microsoft.com/office/drawing/2010/main" Requires="a14">
+      <mc:AlternateContent xmlns:mc="http://schemas.openxmlformats.org/markup-compatibility/2006" xmlns:a14="http://schemas.microsoft.com/office/drawing/2010/main">
+        <mc:Choice Requires="a14">
           <p:sp>
             <p:nvSpPr>
               <p:cNvPr id="3" name="Content Placeholder 2">
@@ -18008,7 +18017,7 @@
                           </m:r>
                           <m:r>
                             <a:rPr lang="en-US" b="0" i="0" smtClean="0">
-                              <a:latin typeface="+mj-lt"/>
+                              <a:latin typeface="Cambria Math" panose="02040503050406030204" pitchFamily="18" charset="0"/>
                             </a:rPr>
                             <m:t>[</m:t>
                           </m:r>
@@ -18017,27 +18026,27 @@
                               <m:sty m:val="p"/>
                             </m:rPr>
                             <a:rPr lang="en-US" b="0" i="0" smtClean="0">
-                              <a:latin typeface="+mj-lt"/>
+                              <a:latin typeface="Cambria Math" panose="02040503050406030204" pitchFamily="18" charset="0"/>
                             </a:rPr>
                             <m:t>x</m:t>
                           </m:r>
                           <m:r>
                             <a:rPr lang="en-US" b="0" i="0" smtClean="0">
-                              <a:latin typeface="+mj-lt"/>
+                              <a:latin typeface="Cambria Math" panose="02040503050406030204" pitchFamily="18" charset="0"/>
                               <a:ea typeface="Cambria Math" panose="02040503050406030204" pitchFamily="18" charset="0"/>
                             </a:rPr>
                             <m:t>↦</m:t>
                           </m:r>
                           <m:r>
                             <a:rPr lang="en-US" b="0" i="1" smtClean="0">
-                              <a:latin typeface="+mj-lt"/>
+                              <a:latin typeface="Cambria Math" panose="02040503050406030204" pitchFamily="18" charset="0"/>
                               <a:ea typeface="Cambria Math" panose="02040503050406030204" pitchFamily="18" charset="0"/>
                             </a:rPr>
                             <m:t>𝑙</m:t>
                           </m:r>
                           <m:r>
                             <a:rPr lang="en-US" b="0" i="0" smtClean="0">
-                              <a:latin typeface="+mj-lt"/>
+                              <a:latin typeface="Cambria Math" panose="02040503050406030204" pitchFamily="18" charset="0"/>
                               <a:ea typeface="Cambria Math" panose="02040503050406030204" pitchFamily="18" charset="0"/>
                             </a:rPr>
                             <m:t>]</m:t>
@@ -18175,7 +18184,7 @@
             </p:txBody>
           </p:sp>
         </mc:Choice>
-        <mc:Fallback>
+        <mc:Fallback xmlns="">
           <p:sp>
             <p:nvSpPr>
               <p:cNvPr id="3" name="Content Placeholder 2">
@@ -22466,8 +22475,8 @@
           </a:p>
         </p:txBody>
       </p:sp>
-      <mc:AlternateContent xmlns:mc="http://schemas.openxmlformats.org/markup-compatibility/2006">
-        <mc:Choice xmlns:a14="http://schemas.microsoft.com/office/drawing/2010/main" Requires="a14">
+      <mc:AlternateContent xmlns:mc="http://schemas.openxmlformats.org/markup-compatibility/2006" xmlns:a14="http://schemas.microsoft.com/office/drawing/2010/main">
+        <mc:Choice Requires="a14">
           <p:sp>
             <p:nvSpPr>
               <p:cNvPr id="5" name="Content Placeholder 4">
@@ -22594,7 +22603,7 @@
             </p:txBody>
           </p:sp>
         </mc:Choice>
-        <mc:Fallback>
+        <mc:Fallback xmlns="">
           <p:sp>
             <p:nvSpPr>
               <p:cNvPr id="5" name="Content Placeholder 4">
@@ -23846,8 +23855,8 @@
           </a:p>
         </p:txBody>
       </p:sp>
-      <mc:AlternateContent xmlns:mc="http://schemas.openxmlformats.org/markup-compatibility/2006">
-        <mc:Choice xmlns:a14="http://schemas.microsoft.com/office/drawing/2010/main" Requires="a14">
+      <mc:AlternateContent xmlns:mc="http://schemas.openxmlformats.org/markup-compatibility/2006" xmlns:a14="http://schemas.microsoft.com/office/drawing/2010/main">
+        <mc:Choice Requires="a14">
           <p:sp>
             <p:nvSpPr>
               <p:cNvPr id="5" name="Content Placeholder 4">
@@ -24121,7 +24130,7 @@
             </p:txBody>
           </p:sp>
         </mc:Choice>
-        <mc:Fallback>
+        <mc:Fallback xmlns="">
           <p:sp>
             <p:nvSpPr>
               <p:cNvPr id="5" name="Content Placeholder 4">
@@ -24223,8 +24232,8 @@
           </a:p>
         </p:txBody>
       </p:sp>
-      <mc:AlternateContent xmlns:mc="http://schemas.openxmlformats.org/markup-compatibility/2006">
-        <mc:Choice xmlns:a14="http://schemas.microsoft.com/office/drawing/2010/main" Requires="a14">
+      <mc:AlternateContent xmlns:mc="http://schemas.openxmlformats.org/markup-compatibility/2006" xmlns:a14="http://schemas.microsoft.com/office/drawing/2010/main">
+        <mc:Choice Requires="a14">
           <p:sp>
             <p:nvSpPr>
               <p:cNvPr id="3" name="Content Placeholder 2">
@@ -24758,7 +24767,7 @@
             </p:txBody>
           </p:sp>
         </mc:Choice>
-        <mc:Fallback>
+        <mc:Fallback xmlns="">
           <p:sp>
             <p:nvSpPr>
               <p:cNvPr id="3" name="Content Placeholder 2">
@@ -25709,8 +25718,8 @@
           </a:p>
         </p:txBody>
       </p:sp>
-      <mc:AlternateContent xmlns:mc="http://schemas.openxmlformats.org/markup-compatibility/2006">
-        <mc:Choice xmlns:a14="http://schemas.microsoft.com/office/drawing/2010/main" Requires="a14">
+      <mc:AlternateContent xmlns:mc="http://schemas.openxmlformats.org/markup-compatibility/2006" xmlns:a14="http://schemas.microsoft.com/office/drawing/2010/main">
+        <mc:Choice Requires="a14">
           <p:sp>
             <p:nvSpPr>
               <p:cNvPr id="5" name="Content Placeholder 4">
@@ -25850,7 +25859,7 @@
             </p:txBody>
           </p:sp>
         </mc:Choice>
-        <mc:Fallback>
+        <mc:Fallback xmlns="">
           <p:sp>
             <p:nvSpPr>
               <p:cNvPr id="5" name="Content Placeholder 4">
@@ -28679,8 +28688,8 @@
           </a:p>
         </p:txBody>
       </p:sp>
-      <mc:AlternateContent xmlns:mc="http://schemas.openxmlformats.org/markup-compatibility/2006">
-        <mc:Choice xmlns:a14="http://schemas.microsoft.com/office/drawing/2010/main" Requires="a14">
+      <mc:AlternateContent xmlns:mc="http://schemas.openxmlformats.org/markup-compatibility/2006" xmlns:a14="http://schemas.microsoft.com/office/drawing/2010/main">
+        <mc:Choice Requires="a14">
           <p:sp>
             <p:nvSpPr>
               <p:cNvPr id="3" name="Content Placeholder 2">
@@ -28842,7 +28851,7 @@
             </p:txBody>
           </p:sp>
         </mc:Choice>
-        <mc:Fallback>
+        <mc:Fallback xmlns="">
           <p:sp>
             <p:nvSpPr>
               <p:cNvPr id="3" name="Content Placeholder 2">
@@ -29674,6 +29683,1939 @@
           <p:cNvPr id="4" name="Title 3">
             <a:extLst>
               <a:ext uri="{FF2B5EF4-FFF2-40B4-BE49-F238E27FC236}">
+                <a16:creationId xmlns:a16="http://schemas.microsoft.com/office/drawing/2014/main" id="{25F810C6-61CB-43E9-A030-D8E8F3F84F8B}"/>
+              </a:ext>
+            </a:extLst>
+          </p:cNvPr>
+          <p:cNvSpPr>
+            <a:spLocks noGrp="1"/>
+          </p:cNvSpPr>
+          <p:nvPr>
+            <p:ph type="title"/>
+          </p:nvPr>
+        </p:nvSpPr>
+        <p:spPr>
+          <a:xfrm>
+            <a:off x="838200" y="365125"/>
+            <a:ext cx="10515600" cy="890469"/>
+          </a:xfrm>
+        </p:spPr>
+        <p:txBody>
+          <a:bodyPr/>
+          <a:lstStyle/>
+          <a:p>
+            <a:r>
+              <a:rPr lang="en-US" dirty="0"/>
+              <a:t>Test 14</a:t>
+            </a:r>
+          </a:p>
+        </p:txBody>
+      </p:sp>
+      <p:sp>
+        <p:nvSpPr>
+          <p:cNvPr id="5" name="Content Placeholder 4">
+            <a:extLst>
+              <a:ext uri="{FF2B5EF4-FFF2-40B4-BE49-F238E27FC236}">
+                <a16:creationId xmlns:a16="http://schemas.microsoft.com/office/drawing/2014/main" id="{ABD706DB-AB73-43B4-AFE1-AF7A4DEF16BC}"/>
+              </a:ext>
+            </a:extLst>
+          </p:cNvPr>
+          <p:cNvSpPr>
+            <a:spLocks noGrp="1"/>
+          </p:cNvSpPr>
+          <p:nvPr>
+            <p:ph idx="1"/>
+          </p:nvPr>
+        </p:nvSpPr>
+        <p:spPr>
+          <a:xfrm>
+            <a:off x="838200" y="1396621"/>
+            <a:ext cx="10515600" cy="5096254"/>
+          </a:xfrm>
+        </p:spPr>
+        <p:txBody>
+          <a:bodyPr numCol="1">
+            <a:normAutofit/>
+          </a:bodyPr>
+          <a:lstStyle/>
+          <a:p>
+            <a:r>
+              <a:rPr lang="en-US" dirty="0"/>
+              <a:t>How to break my </a:t>
+            </a:r>
+            <a:r>
+              <a:rPr lang="en-US" dirty="0" err="1"/>
+              <a:t>miniOO</a:t>
+            </a:r>
+            <a:r>
+              <a:rPr lang="en-US" dirty="0"/>
+              <a:t> interpreter. </a:t>
+            </a:r>
+            <a:endParaRPr lang="en-US" sz="2800" dirty="0"/>
+          </a:p>
+        </p:txBody>
+      </p:sp>
+    </p:spTree>
+    <p:extLst>
+      <p:ext uri="{BB962C8B-B14F-4D97-AF65-F5344CB8AC3E}">
+        <p14:creationId xmlns:p14="http://schemas.microsoft.com/office/powerpoint/2010/main" val="1300057788"/>
+      </p:ext>
+    </p:extLst>
+  </p:cSld>
+  <p:clrMapOvr>
+    <a:masterClrMapping/>
+  </p:clrMapOvr>
+</p:sld>
+</file>
+
+<file path=ppt/slides/slide62.xml><?xml version="1.0" encoding="utf-8"?>
+<p:sld xmlns:a="http://schemas.openxmlformats.org/drawingml/2006/main" xmlns:r="http://schemas.openxmlformats.org/officeDocument/2006/relationships" xmlns:p="http://schemas.openxmlformats.org/presentationml/2006/main">
+  <p:cSld>
+    <p:spTree>
+      <p:nvGrpSpPr>
+        <p:cNvPr id="1" name=""/>
+        <p:cNvGrpSpPr/>
+        <p:nvPr/>
+      </p:nvGrpSpPr>
+      <p:grpSpPr>
+        <a:xfrm>
+          <a:off x="0" y="0"/>
+          <a:ext cx="0" cy="0"/>
+          <a:chOff x="0" y="0"/>
+          <a:chExt cx="0" cy="0"/>
+        </a:xfrm>
+      </p:grpSpPr>
+      <p:sp>
+        <p:nvSpPr>
+          <p:cNvPr id="5" name="Content Placeholder 4">
+            <a:extLst>
+              <a:ext uri="{FF2B5EF4-FFF2-40B4-BE49-F238E27FC236}">
+                <a16:creationId xmlns:a16="http://schemas.microsoft.com/office/drawing/2014/main" id="{ABD706DB-AB73-43B4-AFE1-AF7A4DEF16BC}"/>
+              </a:ext>
+            </a:extLst>
+          </p:cNvPr>
+          <p:cNvSpPr>
+            <a:spLocks noGrp="1"/>
+          </p:cNvSpPr>
+          <p:nvPr>
+            <p:ph idx="1"/>
+          </p:nvPr>
+        </p:nvSpPr>
+        <p:spPr>
+          <a:xfrm>
+            <a:off x="533400" y="300252"/>
+            <a:ext cx="11008057" cy="4458267"/>
+          </a:xfrm>
+        </p:spPr>
+        <p:txBody>
+          <a:bodyPr>
+            <a:normAutofit/>
+          </a:bodyPr>
+          <a:lstStyle/>
+          <a:p>
+            <a:pPr marL="0" indent="0">
+              <a:spcBef>
+                <a:spcPts val="0"/>
+              </a:spcBef>
+              <a:buNone/>
+            </a:pPr>
+            <a:r>
+              <a:rPr lang="en-US" sz="2400" dirty="0">
+                <a:latin typeface="Lucida Console" panose="020B0609040504020204" pitchFamily="49" charset="0"/>
+              </a:rPr>
+              <a:t>var F;</a:t>
+            </a:r>
+          </a:p>
+          <a:p>
+            <a:pPr marL="0" indent="0">
+              <a:spcBef>
+                <a:spcPts val="0"/>
+              </a:spcBef>
+              <a:buNone/>
+            </a:pPr>
+            <a:r>
+              <a:rPr lang="en-US" sz="2400" dirty="0">
+                <a:latin typeface="Lucida Console" panose="020B0609040504020204" pitchFamily="49" charset="0"/>
+              </a:rPr>
+              <a:t>  {</a:t>
+            </a:r>
+          </a:p>
+          <a:p>
+            <a:pPr marL="0" indent="0">
+              <a:spcBef>
+                <a:spcPts val="0"/>
+              </a:spcBef>
+              <a:buNone/>
+            </a:pPr>
+            <a:r>
+              <a:rPr lang="en-US" sz="2400" dirty="0">
+                <a:latin typeface="Lucida Console" panose="020B0609040504020204" pitchFamily="49" charset="0"/>
+              </a:rPr>
+              <a:t>    F = proc X : F = X</a:t>
+            </a:r>
+          </a:p>
+          <a:p>
+            <a:pPr marL="0" indent="0">
+              <a:spcBef>
+                <a:spcPts val="0"/>
+              </a:spcBef>
+              <a:buNone/>
+            </a:pPr>
+            <a:r>
+              <a:rPr lang="en-US" sz="2400" dirty="0">
+                <a:latin typeface="Lucida Console" panose="020B0609040504020204" pitchFamily="49" charset="0"/>
+              </a:rPr>
+              <a:t>  ;</a:t>
+            </a:r>
+          </a:p>
+          <a:p>
+            <a:pPr marL="0" indent="0">
+              <a:spcBef>
+                <a:spcPts val="0"/>
+              </a:spcBef>
+              <a:buNone/>
+            </a:pPr>
+            <a:r>
+              <a:rPr lang="en-US" sz="2400" dirty="0">
+                <a:latin typeface="Lucida Console" panose="020B0609040504020204" pitchFamily="49" charset="0"/>
+              </a:rPr>
+              <a:t>    {</a:t>
+            </a:r>
+          </a:p>
+          <a:p>
+            <a:pPr marL="0" indent="0">
+              <a:spcBef>
+                <a:spcPts val="0"/>
+              </a:spcBef>
+              <a:buNone/>
+            </a:pPr>
+            <a:r>
+              <a:rPr lang="en-US" sz="2400" dirty="0">
+                <a:latin typeface="Lucida Console" panose="020B0609040504020204" pitchFamily="49" charset="0"/>
+              </a:rPr>
+              <a:t>      var T;</a:t>
+            </a:r>
+          </a:p>
+          <a:p>
+            <a:pPr marL="0" indent="0">
+              <a:spcBef>
+                <a:spcPts val="0"/>
+              </a:spcBef>
+              <a:buNone/>
+            </a:pPr>
+            <a:r>
+              <a:rPr lang="en-US" sz="2400" dirty="0">
+                <a:latin typeface="Lucida Console" panose="020B0609040504020204" pitchFamily="49" charset="0"/>
+              </a:rPr>
+              <a:t>        skip</a:t>
+            </a:r>
+          </a:p>
+          <a:p>
+            <a:pPr marL="0" indent="0">
+              <a:spcBef>
+                <a:spcPts val="0"/>
+              </a:spcBef>
+              <a:buNone/>
+            </a:pPr>
+            <a:r>
+              <a:rPr lang="en-US" sz="2400" dirty="0">
+                <a:latin typeface="Lucida Console" panose="020B0609040504020204" pitchFamily="49" charset="0"/>
+              </a:rPr>
+              <a:t>    |||</a:t>
+            </a:r>
+          </a:p>
+          <a:p>
+            <a:pPr marL="0" indent="0">
+              <a:spcBef>
+                <a:spcPts val="0"/>
+              </a:spcBef>
+              <a:buNone/>
+            </a:pPr>
+            <a:r>
+              <a:rPr lang="en-US" sz="2400" dirty="0">
+                <a:latin typeface="Lucida Console" panose="020B0609040504020204" pitchFamily="49" charset="0"/>
+              </a:rPr>
+              <a:t>      F(3)</a:t>
+            </a:r>
+          </a:p>
+          <a:p>
+            <a:pPr marL="0" indent="0">
+              <a:spcBef>
+                <a:spcPts val="0"/>
+              </a:spcBef>
+              <a:buNone/>
+            </a:pPr>
+            <a:r>
+              <a:rPr lang="en-US" sz="2400" dirty="0">
+                <a:latin typeface="Lucida Console" panose="020B0609040504020204" pitchFamily="49" charset="0"/>
+              </a:rPr>
+              <a:t>    }</a:t>
+            </a:r>
+          </a:p>
+          <a:p>
+            <a:pPr marL="0" indent="0">
+              <a:spcBef>
+                <a:spcPts val="0"/>
+              </a:spcBef>
+              <a:buNone/>
+            </a:pPr>
+            <a:r>
+              <a:rPr lang="en-US" sz="2400" dirty="0">
+                <a:latin typeface="Lucida Console" panose="020B0609040504020204" pitchFamily="49" charset="0"/>
+              </a:rPr>
+              <a:t>  }</a:t>
+            </a:r>
+          </a:p>
+          <a:p>
+            <a:pPr marL="0" indent="0">
+              <a:spcBef>
+                <a:spcPts val="0"/>
+              </a:spcBef>
+              <a:buNone/>
+            </a:pPr>
+            <a:r>
+              <a:rPr lang="en-US" sz="2400" dirty="0">
+                <a:latin typeface="Lucida Console" panose="020B0609040504020204" pitchFamily="49" charset="0"/>
+              </a:rPr>
+              <a:t>THE_END</a:t>
+            </a:r>
+          </a:p>
+          <a:p>
+            <a:pPr marL="0" indent="0">
+              <a:spcBef>
+                <a:spcPts val="0"/>
+              </a:spcBef>
+              <a:buNone/>
+            </a:pPr>
+            <a:endParaRPr lang="en-US" sz="2400" dirty="0">
+              <a:latin typeface="Lucida Console" panose="020B0609040504020204" pitchFamily="49" charset="0"/>
+            </a:endParaRPr>
+          </a:p>
+        </p:txBody>
+      </p:sp>
+      <p:sp>
+        <p:nvSpPr>
+          <p:cNvPr id="16" name="TextBox 15">
+            <a:extLst>
+              <a:ext uri="{FF2B5EF4-FFF2-40B4-BE49-F238E27FC236}">
+                <a16:creationId xmlns:a16="http://schemas.microsoft.com/office/drawing/2014/main" id="{84D60FA2-335F-4BFF-94F5-933444F8C394}"/>
+              </a:ext>
+            </a:extLst>
+          </p:cNvPr>
+          <p:cNvSpPr txBox="1"/>
+          <p:nvPr/>
+        </p:nvSpPr>
+        <p:spPr>
+          <a:xfrm>
+            <a:off x="6096000" y="2388528"/>
+            <a:ext cx="5083224" cy="1077218"/>
+          </a:xfrm>
+          <a:prstGeom prst="rect">
+            <a:avLst/>
+          </a:prstGeom>
+          <a:noFill/>
+          <a:ln w="28575">
+            <a:solidFill>
+              <a:schemeClr val="accent1"/>
+            </a:solidFill>
+          </a:ln>
+        </p:spPr>
+        <p:txBody>
+          <a:bodyPr wrap="square" rtlCol="0">
+            <a:spAutoFit/>
+          </a:bodyPr>
+          <a:lstStyle>
+            <a:defPPr>
+              <a:defRPr lang="en-US"/>
+            </a:defPPr>
+            <a:lvl1pPr>
+              <a:defRPr b="1">
+                <a:latin typeface="Lucida Console" panose="020B0609040504020204" pitchFamily="49" charset="0"/>
+              </a:defRPr>
+            </a:lvl1pPr>
+          </a:lstStyle>
+          <a:p>
+            <a:r>
+              <a:rPr lang="en-US" sz="3200" b="0" dirty="0"/>
+              <a:t>Do you see a potential problem? </a:t>
+            </a:r>
+            <a:endParaRPr lang="es-ES" sz="3200" b="0" dirty="0"/>
+          </a:p>
+        </p:txBody>
+      </p:sp>
+    </p:spTree>
+    <p:extLst>
+      <p:ext uri="{BB962C8B-B14F-4D97-AF65-F5344CB8AC3E}">
+        <p14:creationId xmlns:p14="http://schemas.microsoft.com/office/powerpoint/2010/main" val="1972117371"/>
+      </p:ext>
+    </p:extLst>
+  </p:cSld>
+  <p:clrMapOvr>
+    <a:masterClrMapping/>
+  </p:clrMapOvr>
+</p:sld>
+</file>
+
+<file path=ppt/slides/slide63.xml><?xml version="1.0" encoding="utf-8"?>
+<p:sld xmlns:a="http://schemas.openxmlformats.org/drawingml/2006/main" xmlns:r="http://schemas.openxmlformats.org/officeDocument/2006/relationships" xmlns:p="http://schemas.openxmlformats.org/presentationml/2006/main">
+  <p:cSld>
+    <p:spTree>
+      <p:nvGrpSpPr>
+        <p:cNvPr id="1" name=""/>
+        <p:cNvGrpSpPr/>
+        <p:nvPr/>
+      </p:nvGrpSpPr>
+      <p:grpSpPr>
+        <a:xfrm>
+          <a:off x="0" y="0"/>
+          <a:ext cx="0" cy="0"/>
+          <a:chOff x="0" y="0"/>
+          <a:chExt cx="0" cy="0"/>
+        </a:xfrm>
+      </p:grpSpPr>
+      <p:sp>
+        <p:nvSpPr>
+          <p:cNvPr id="5" name="Content Placeholder 4">
+            <a:extLst>
+              <a:ext uri="{FF2B5EF4-FFF2-40B4-BE49-F238E27FC236}">
+                <a16:creationId xmlns:a16="http://schemas.microsoft.com/office/drawing/2014/main" id="{ABD706DB-AB73-43B4-AFE1-AF7A4DEF16BC}"/>
+              </a:ext>
+            </a:extLst>
+          </p:cNvPr>
+          <p:cNvSpPr>
+            <a:spLocks noGrp="1"/>
+          </p:cNvSpPr>
+          <p:nvPr>
+            <p:ph idx="1"/>
+          </p:nvPr>
+        </p:nvSpPr>
+        <p:spPr>
+          <a:xfrm>
+            <a:off x="533400" y="300252"/>
+            <a:ext cx="11008057" cy="4458267"/>
+          </a:xfrm>
+        </p:spPr>
+        <p:txBody>
+          <a:bodyPr>
+            <a:normAutofit/>
+          </a:bodyPr>
+          <a:lstStyle/>
+          <a:p>
+            <a:pPr marL="0" indent="0">
+              <a:spcBef>
+                <a:spcPts val="0"/>
+              </a:spcBef>
+              <a:buNone/>
+            </a:pPr>
+            <a:r>
+              <a:rPr lang="en-US" sz="2400" dirty="0">
+                <a:latin typeface="Lucida Console" panose="020B0609040504020204" pitchFamily="49" charset="0"/>
+              </a:rPr>
+              <a:t>var F;</a:t>
+            </a:r>
+          </a:p>
+          <a:p>
+            <a:pPr marL="0" indent="0">
+              <a:spcBef>
+                <a:spcPts val="0"/>
+              </a:spcBef>
+              <a:buNone/>
+            </a:pPr>
+            <a:r>
+              <a:rPr lang="en-US" sz="2400" dirty="0">
+                <a:latin typeface="Lucida Console" panose="020B0609040504020204" pitchFamily="49" charset="0"/>
+              </a:rPr>
+              <a:t>  {</a:t>
+            </a:r>
+          </a:p>
+          <a:p>
+            <a:pPr marL="0" indent="0">
+              <a:spcBef>
+                <a:spcPts val="0"/>
+              </a:spcBef>
+              <a:buNone/>
+            </a:pPr>
+            <a:r>
+              <a:rPr lang="en-US" sz="2400" dirty="0">
+                <a:latin typeface="Lucida Console" panose="020B0609040504020204" pitchFamily="49" charset="0"/>
+              </a:rPr>
+              <a:t>    F = proc X : F = X</a:t>
+            </a:r>
+          </a:p>
+          <a:p>
+            <a:pPr marL="0" indent="0">
+              <a:spcBef>
+                <a:spcPts val="0"/>
+              </a:spcBef>
+              <a:buNone/>
+            </a:pPr>
+            <a:r>
+              <a:rPr lang="en-US" sz="2400" dirty="0">
+                <a:latin typeface="Lucida Console" panose="020B0609040504020204" pitchFamily="49" charset="0"/>
+              </a:rPr>
+              <a:t>  ;</a:t>
+            </a:r>
+          </a:p>
+          <a:p>
+            <a:pPr marL="0" indent="0">
+              <a:spcBef>
+                <a:spcPts val="0"/>
+              </a:spcBef>
+              <a:buNone/>
+            </a:pPr>
+            <a:r>
+              <a:rPr lang="en-US" sz="2400" dirty="0">
+                <a:latin typeface="Lucida Console" panose="020B0609040504020204" pitchFamily="49" charset="0"/>
+              </a:rPr>
+              <a:t>    {</a:t>
+            </a:r>
+          </a:p>
+          <a:p>
+            <a:pPr marL="0" indent="0">
+              <a:spcBef>
+                <a:spcPts val="0"/>
+              </a:spcBef>
+              <a:buNone/>
+            </a:pPr>
+            <a:r>
+              <a:rPr lang="en-US" sz="2400" dirty="0">
+                <a:latin typeface="Lucida Console" panose="020B0609040504020204" pitchFamily="49" charset="0"/>
+              </a:rPr>
+              <a:t>      var T;</a:t>
+            </a:r>
+          </a:p>
+          <a:p>
+            <a:pPr marL="0" indent="0">
+              <a:spcBef>
+                <a:spcPts val="0"/>
+              </a:spcBef>
+              <a:buNone/>
+            </a:pPr>
+            <a:r>
+              <a:rPr lang="en-US" sz="2400" dirty="0">
+                <a:latin typeface="Lucida Console" panose="020B0609040504020204" pitchFamily="49" charset="0"/>
+              </a:rPr>
+              <a:t>        skip</a:t>
+            </a:r>
+          </a:p>
+          <a:p>
+            <a:pPr marL="0" indent="0">
+              <a:spcBef>
+                <a:spcPts val="0"/>
+              </a:spcBef>
+              <a:buNone/>
+            </a:pPr>
+            <a:r>
+              <a:rPr lang="en-US" sz="2400" dirty="0">
+                <a:latin typeface="Lucida Console" panose="020B0609040504020204" pitchFamily="49" charset="0"/>
+              </a:rPr>
+              <a:t>    |||</a:t>
+            </a:r>
+          </a:p>
+          <a:p>
+            <a:pPr marL="0" indent="0">
+              <a:spcBef>
+                <a:spcPts val="0"/>
+              </a:spcBef>
+              <a:buNone/>
+            </a:pPr>
+            <a:r>
+              <a:rPr lang="en-US" sz="2400" dirty="0">
+                <a:latin typeface="Lucida Console" panose="020B0609040504020204" pitchFamily="49" charset="0"/>
+              </a:rPr>
+              <a:t>      F(3)</a:t>
+            </a:r>
+          </a:p>
+          <a:p>
+            <a:pPr marL="0" indent="0">
+              <a:spcBef>
+                <a:spcPts val="0"/>
+              </a:spcBef>
+              <a:buNone/>
+            </a:pPr>
+            <a:r>
+              <a:rPr lang="en-US" sz="2400" dirty="0">
+                <a:latin typeface="Lucida Console" panose="020B0609040504020204" pitchFamily="49" charset="0"/>
+              </a:rPr>
+              <a:t>    }</a:t>
+            </a:r>
+          </a:p>
+          <a:p>
+            <a:pPr marL="0" indent="0">
+              <a:spcBef>
+                <a:spcPts val="0"/>
+              </a:spcBef>
+              <a:buNone/>
+            </a:pPr>
+            <a:r>
+              <a:rPr lang="en-US" sz="2400" dirty="0">
+                <a:latin typeface="Lucida Console" panose="020B0609040504020204" pitchFamily="49" charset="0"/>
+              </a:rPr>
+              <a:t>  }</a:t>
+            </a:r>
+          </a:p>
+          <a:p>
+            <a:pPr marL="0" indent="0">
+              <a:spcBef>
+                <a:spcPts val="0"/>
+              </a:spcBef>
+              <a:buNone/>
+            </a:pPr>
+            <a:r>
+              <a:rPr lang="en-US" sz="2400" dirty="0">
+                <a:latin typeface="Lucida Console" panose="020B0609040504020204" pitchFamily="49" charset="0"/>
+              </a:rPr>
+              <a:t>THE_END</a:t>
+            </a:r>
+          </a:p>
+          <a:p>
+            <a:pPr marL="0" indent="0">
+              <a:spcBef>
+                <a:spcPts val="0"/>
+              </a:spcBef>
+              <a:buNone/>
+            </a:pPr>
+            <a:endParaRPr lang="en-US" sz="2400" dirty="0">
+              <a:latin typeface="Lucida Console" panose="020B0609040504020204" pitchFamily="49" charset="0"/>
+            </a:endParaRPr>
+          </a:p>
+        </p:txBody>
+      </p:sp>
+      <p:sp>
+        <p:nvSpPr>
+          <p:cNvPr id="20" name="Oval 19">
+            <a:extLst>
+              <a:ext uri="{FF2B5EF4-FFF2-40B4-BE49-F238E27FC236}">
+                <a16:creationId xmlns:a16="http://schemas.microsoft.com/office/drawing/2014/main" id="{06672189-7389-4054-9258-C66F80FEFDC5}"/>
+              </a:ext>
+            </a:extLst>
+          </p:cNvPr>
+          <p:cNvSpPr/>
+          <p:nvPr/>
+        </p:nvSpPr>
+        <p:spPr>
+          <a:xfrm>
+            <a:off x="2906686" y="2061283"/>
+            <a:ext cx="173447" cy="173447"/>
+          </a:xfrm>
+          <a:prstGeom prst="ellipse">
+            <a:avLst/>
+          </a:prstGeom>
+          <a:ln>
+            <a:noFill/>
+          </a:ln>
+        </p:spPr>
+        <p:style>
+          <a:lnRef idx="2">
+            <a:schemeClr val="accent1">
+              <a:shade val="50000"/>
+            </a:schemeClr>
+          </a:lnRef>
+          <a:fillRef idx="1">
+            <a:schemeClr val="accent1"/>
+          </a:fillRef>
+          <a:effectRef idx="0">
+            <a:schemeClr val="accent1"/>
+          </a:effectRef>
+          <a:fontRef idx="minor">
+            <a:schemeClr val="lt1"/>
+          </a:fontRef>
+        </p:style>
+        <p:txBody>
+          <a:bodyPr rtlCol="0" anchor="ctr"/>
+          <a:lstStyle/>
+          <a:p>
+            <a:pPr algn="ctr"/>
+            <a:endParaRPr lang="en-US"/>
+          </a:p>
+        </p:txBody>
+      </p:sp>
+      <mc:AlternateContent xmlns:mc="http://schemas.openxmlformats.org/markup-compatibility/2006" xmlns:a14="http://schemas.microsoft.com/office/drawing/2010/main">
+        <mc:Choice Requires="a14">
+          <p:sp>
+            <p:nvSpPr>
+              <p:cNvPr id="16" name="TextBox 15">
+                <a:extLst>
+                  <a:ext uri="{FF2B5EF4-FFF2-40B4-BE49-F238E27FC236}">
+                    <a16:creationId xmlns:a16="http://schemas.microsoft.com/office/drawing/2014/main" id="{84D60FA2-335F-4BFF-94F5-933444F8C394}"/>
+                  </a:ext>
+                </a:extLst>
+              </p:cNvPr>
+              <p:cNvSpPr txBox="1"/>
+              <p:nvPr/>
+            </p:nvSpPr>
+            <p:spPr>
+              <a:xfrm>
+                <a:off x="6562864" y="836946"/>
+                <a:ext cx="5095736" cy="1226490"/>
+              </a:xfrm>
+              <a:prstGeom prst="rect">
+                <a:avLst/>
+              </a:prstGeom>
+              <a:noFill/>
+              <a:ln w="28575">
+                <a:solidFill>
+                  <a:schemeClr val="accent1"/>
+                </a:solidFill>
+              </a:ln>
+            </p:spPr>
+            <p:txBody>
+              <a:bodyPr wrap="square" rtlCol="0">
+                <a:spAutoFit/>
+              </a:bodyPr>
+              <a:lstStyle>
+                <a:defPPr>
+                  <a:defRPr lang="en-US"/>
+                </a:defPPr>
+                <a:lvl1pPr>
+                  <a:defRPr b="1">
+                    <a:latin typeface="Lucida Console" panose="020B0609040504020204" pitchFamily="49" charset="0"/>
+                  </a:defRPr>
+                </a:lvl1pPr>
+              </a:lstStyle>
+              <a:p>
+                <a:r>
+                  <a:rPr lang="en-US" b="0" dirty="0"/>
+                  <a:t>Declare variable "T"</a:t>
+                </a:r>
+              </a:p>
+              <a:p>
+                <a:r>
+                  <a:rPr lang="en-US" b="0" dirty="0"/>
+                  <a:t> STACK</a:t>
+                </a:r>
+              </a:p>
+              <a:p>
+                <a:r>
+                  <a:rPr lang="en-US" b="0" dirty="0"/>
+                  <a:t>  </a:t>
+                </a:r>
+                <a14:m>
+                  <m:oMath xmlns:m="http://schemas.openxmlformats.org/officeDocument/2006/math">
+                    <m:bar>
+                      <m:barPr>
+                        <m:ctrlPr>
+                          <a:rPr lang="en-US" b="0" i="1" smtClean="0">
+                            <a:latin typeface="Cambria Math" panose="02040503050406030204" pitchFamily="18" charset="0"/>
+                          </a:rPr>
+                        </m:ctrlPr>
+                      </m:barPr>
+                      <m:e>
+                        <m:r>
+                          <a:rPr lang="en-US" b="0" i="1" smtClean="0">
+                            <a:latin typeface="Cambria Math" panose="02040503050406030204" pitchFamily="18" charset="0"/>
+                          </a:rPr>
+                          <m:t>𝑑𝑒𝑐𝑙</m:t>
+                        </m:r>
+                      </m:e>
+                    </m:bar>
+                  </m:oMath>
+                </a14:m>
+                <a:r>
+                  <a:rPr lang="en-US" b="0" dirty="0"/>
+                  <a:t>"T"    &lt;obj @ 1&gt;</a:t>
+                </a:r>
+              </a:p>
+              <a:p>
+                <a:r>
+                  <a:rPr lang="en-US" b="0" dirty="0"/>
+                  <a:t>  </a:t>
+                </a:r>
+                <a14:m>
+                  <m:oMath xmlns:m="http://schemas.openxmlformats.org/officeDocument/2006/math">
+                    <m:bar>
+                      <m:barPr>
+                        <m:ctrlPr>
+                          <a:rPr lang="en-US" b="0" i="1" smtClean="0">
+                            <a:latin typeface="Cambria Math" panose="02040503050406030204" pitchFamily="18" charset="0"/>
+                          </a:rPr>
+                        </m:ctrlPr>
+                      </m:barPr>
+                      <m:e>
+                        <m:r>
+                          <a:rPr lang="en-US" b="0" i="1" smtClean="0">
+                            <a:latin typeface="Cambria Math" panose="02040503050406030204" pitchFamily="18" charset="0"/>
+                          </a:rPr>
+                          <m:t>𝑑𝑒𝑐𝑙</m:t>
+                        </m:r>
+                      </m:e>
+                    </m:bar>
+                  </m:oMath>
+                </a14:m>
+                <a:r>
+                  <a:rPr lang="en-US" b="0" dirty="0"/>
+                  <a:t>"F"    &lt;obj @ 0&gt;</a:t>
+                </a:r>
+              </a:p>
+            </p:txBody>
+          </p:sp>
+        </mc:Choice>
+        <mc:Fallback xmlns="">
+          <p:sp>
+            <p:nvSpPr>
+              <p:cNvPr id="16" name="TextBox 15">
+                <a:extLst>
+                  <a:ext uri="{FF2B5EF4-FFF2-40B4-BE49-F238E27FC236}">
+                    <a16:creationId xmlns:a16="http://schemas.microsoft.com/office/drawing/2014/main" id="{84D60FA2-335F-4BFF-94F5-933444F8C394}"/>
+                  </a:ext>
+                </a:extLst>
+              </p:cNvPr>
+              <p:cNvSpPr txBox="1">
+                <a:spLocks noRot="1" noChangeAspect="1" noMove="1" noResize="1" noEditPoints="1" noAdjustHandles="1" noChangeArrowheads="1" noChangeShapeType="1" noTextEdit="1"/>
+              </p:cNvSpPr>
+              <p:nvPr/>
+            </p:nvSpPr>
+            <p:spPr>
+              <a:xfrm>
+                <a:off x="6562864" y="836946"/>
+                <a:ext cx="5095736" cy="1226490"/>
+              </a:xfrm>
+              <a:prstGeom prst="rect">
+                <a:avLst/>
+              </a:prstGeom>
+              <a:blipFill>
+                <a:blip r:embed="rId2"/>
+                <a:stretch>
+                  <a:fillRect l="-832" t="-971" b="-4854"/>
+                </a:stretch>
+              </a:blipFill>
+              <a:ln w="28575">
+                <a:solidFill>
+                  <a:schemeClr val="accent1"/>
+                </a:solidFill>
+              </a:ln>
+            </p:spPr>
+            <p:txBody>
+              <a:bodyPr/>
+              <a:lstStyle/>
+              <a:p>
+                <a:r>
+                  <a:rPr lang="en-US">
+                    <a:noFill/>
+                  </a:rPr>
+                  <a:t> </a:t>
+                </a:r>
+              </a:p>
+            </p:txBody>
+          </p:sp>
+        </mc:Fallback>
+      </mc:AlternateContent>
+      <p:cxnSp>
+        <p:nvCxnSpPr>
+          <p:cNvPr id="8" name="Connector: Elbow 7">
+            <a:extLst>
+              <a:ext uri="{FF2B5EF4-FFF2-40B4-BE49-F238E27FC236}">
+                <a16:creationId xmlns:a16="http://schemas.microsoft.com/office/drawing/2014/main" id="{AAD452A6-F80C-42C8-BDA1-0D4950CC6E33}"/>
+              </a:ext>
+            </a:extLst>
+          </p:cNvPr>
+          <p:cNvCxnSpPr>
+            <a:cxnSpLocks/>
+            <a:stCxn id="20" idx="6"/>
+            <a:endCxn id="16" idx="1"/>
+          </p:cNvCxnSpPr>
+          <p:nvPr/>
+        </p:nvCxnSpPr>
+        <p:spPr>
+          <a:xfrm flipV="1">
+            <a:off x="3080133" y="1450191"/>
+            <a:ext cx="3482731" cy="697816"/>
+          </a:xfrm>
+          <a:prstGeom prst="curvedConnector3">
+            <a:avLst>
+              <a:gd name="adj1" fmla="val 50000"/>
+            </a:avLst>
+          </a:prstGeom>
+          <a:ln w="38100">
+            <a:solidFill>
+              <a:schemeClr val="accent1"/>
+            </a:solidFill>
+            <a:headEnd type="none" w="med" len="med"/>
+            <a:tailEnd type="none" w="med" len="med"/>
+          </a:ln>
+        </p:spPr>
+        <p:style>
+          <a:lnRef idx="1">
+            <a:schemeClr val="accent1"/>
+          </a:lnRef>
+          <a:fillRef idx="0">
+            <a:schemeClr val="accent1"/>
+          </a:fillRef>
+          <a:effectRef idx="0">
+            <a:schemeClr val="accent1"/>
+          </a:effectRef>
+          <a:fontRef idx="minor">
+            <a:schemeClr val="tx1"/>
+          </a:fontRef>
+        </p:style>
+      </p:cxnSp>
+      <mc:AlternateContent xmlns:mc="http://schemas.openxmlformats.org/markup-compatibility/2006" xmlns:a14="http://schemas.microsoft.com/office/drawing/2010/main">
+        <mc:Choice Requires="a14">
+          <p:sp>
+            <p:nvSpPr>
+              <p:cNvPr id="7" name="TextBox 6">
+                <a:extLst>
+                  <a:ext uri="{FF2B5EF4-FFF2-40B4-BE49-F238E27FC236}">
+                    <a16:creationId xmlns:a16="http://schemas.microsoft.com/office/drawing/2014/main" id="{EFB194C7-3011-4250-81BA-487BC3761C63}"/>
+                  </a:ext>
+                </a:extLst>
+              </p:cNvPr>
+              <p:cNvSpPr txBox="1"/>
+              <p:nvPr/>
+            </p:nvSpPr>
+            <p:spPr>
+              <a:xfrm>
+                <a:off x="6562864" y="2245229"/>
+                <a:ext cx="5095736" cy="2083647"/>
+              </a:xfrm>
+              <a:prstGeom prst="rect">
+                <a:avLst/>
+              </a:prstGeom>
+              <a:noFill/>
+              <a:ln w="28575">
+                <a:solidFill>
+                  <a:schemeClr val="accent1"/>
+                </a:solidFill>
+              </a:ln>
+            </p:spPr>
+            <p:txBody>
+              <a:bodyPr wrap="square" rtlCol="0">
+                <a:spAutoFit/>
+              </a:bodyPr>
+              <a:lstStyle>
+                <a:defPPr>
+                  <a:defRPr lang="en-US"/>
+                </a:defPPr>
+                <a:lvl1pPr>
+                  <a:defRPr b="1">
+                    <a:latin typeface="Lucida Console" panose="020B0609040504020204" pitchFamily="49" charset="0"/>
+                  </a:defRPr>
+                </a:lvl1pPr>
+              </a:lstStyle>
+              <a:p>
+                <a:r>
+                  <a:rPr lang="en-US" b="0" dirty="0"/>
+                  <a:t>Call proc</a:t>
+                </a:r>
+              </a:p>
+              <a:p>
+                <a:r>
+                  <a:rPr lang="en-US" b="0" dirty="0"/>
+                  <a:t> STACK</a:t>
+                </a:r>
+              </a:p>
+              <a:p>
+                <a:r>
+                  <a:rPr lang="en-US" b="0" dirty="0"/>
+                  <a:t>  </a:t>
+                </a:r>
+                <a14:m>
+                  <m:oMath xmlns:m="http://schemas.openxmlformats.org/officeDocument/2006/math">
+                    <m:bar>
+                      <m:barPr>
+                        <m:ctrlPr>
+                          <a:rPr lang="en-US" b="0" i="1" smtClean="0">
+                            <a:latin typeface="Cambria Math" panose="02040503050406030204" pitchFamily="18" charset="0"/>
+                          </a:rPr>
+                        </m:ctrlPr>
+                      </m:barPr>
+                      <m:e>
+                        <m:r>
+                          <a:rPr lang="en-US" b="0" i="1" smtClean="0">
+                            <a:latin typeface="Cambria Math" panose="02040503050406030204" pitchFamily="18" charset="0"/>
+                          </a:rPr>
+                          <m:t>𝑐𝑎𝑙𝑙</m:t>
+                        </m:r>
+                      </m:e>
+                    </m:bar>
+                  </m:oMath>
+                </a14:m>
+                <a:r>
+                  <a:rPr lang="en-US" b="0" dirty="0"/>
+                  <a:t>“X"      &lt;obj @ 2&gt;</a:t>
+                </a:r>
+              </a:p>
+              <a:p>
+                <a:r>
+                  <a:rPr lang="en-US" b="0" dirty="0"/>
+                  <a:t>   Stashed:</a:t>
+                </a:r>
+              </a:p>
+              <a:p>
+                <a:r>
+                  <a:rPr lang="en-US" b="0" dirty="0"/>
+                  <a:t>    </a:t>
+                </a:r>
+                <a14:m>
+                  <m:oMath xmlns:m="http://schemas.openxmlformats.org/officeDocument/2006/math">
+                    <m:bar>
+                      <m:barPr>
+                        <m:ctrlPr>
+                          <a:rPr lang="en-US" b="0" i="1" smtClean="0">
+                            <a:latin typeface="Cambria Math" panose="02040503050406030204" pitchFamily="18" charset="0"/>
+                          </a:rPr>
+                        </m:ctrlPr>
+                      </m:barPr>
+                      <m:e>
+                        <m:r>
+                          <a:rPr lang="en-US" b="0" i="1" smtClean="0">
+                            <a:latin typeface="Cambria Math" panose="02040503050406030204" pitchFamily="18" charset="0"/>
+                          </a:rPr>
+                          <m:t>𝑑𝑒𝑐𝑙</m:t>
+                        </m:r>
+                      </m:e>
+                    </m:bar>
+                  </m:oMath>
+                </a14:m>
+                <a:r>
+                  <a:rPr lang="en-US" b="0" dirty="0"/>
+                  <a:t>"T"    &lt;obj @ 1&gt;</a:t>
+                </a:r>
+              </a:p>
+              <a:p>
+                <a:r>
+                  <a:rPr lang="en-US" b="0" dirty="0"/>
+                  <a:t>    </a:t>
+                </a:r>
+                <a14:m>
+                  <m:oMath xmlns:m="http://schemas.openxmlformats.org/officeDocument/2006/math">
+                    <m:bar>
+                      <m:barPr>
+                        <m:ctrlPr>
+                          <a:rPr lang="en-US" b="0" i="1" smtClean="0">
+                            <a:latin typeface="Cambria Math" panose="02040503050406030204" pitchFamily="18" charset="0"/>
+                          </a:rPr>
+                        </m:ctrlPr>
+                      </m:barPr>
+                      <m:e>
+                        <m:r>
+                          <a:rPr lang="en-US" b="0" i="1" smtClean="0">
+                            <a:latin typeface="Cambria Math" panose="02040503050406030204" pitchFamily="18" charset="0"/>
+                          </a:rPr>
+                          <m:t>𝑑𝑒𝑐𝑙</m:t>
+                        </m:r>
+                      </m:e>
+                    </m:bar>
+                  </m:oMath>
+                </a14:m>
+                <a:r>
+                  <a:rPr lang="en-US" b="0" dirty="0"/>
+                  <a:t>"F"    &lt;obj @ 0&gt;</a:t>
+                </a:r>
+              </a:p>
+              <a:p>
+                <a:r>
+                  <a:rPr lang="en-US" b="0" dirty="0"/>
+                  <a:t>  </a:t>
+                </a:r>
+                <a14:m>
+                  <m:oMath xmlns:m="http://schemas.openxmlformats.org/officeDocument/2006/math">
+                    <m:bar>
+                      <m:barPr>
+                        <m:ctrlPr>
+                          <a:rPr lang="en-US" b="0" i="1" smtClean="0">
+                            <a:latin typeface="Cambria Math" panose="02040503050406030204" pitchFamily="18" charset="0"/>
+                          </a:rPr>
+                        </m:ctrlPr>
+                      </m:barPr>
+                      <m:e>
+                        <m:r>
+                          <a:rPr lang="en-US" b="0" i="1" smtClean="0">
+                            <a:latin typeface="Cambria Math" panose="02040503050406030204" pitchFamily="18" charset="0"/>
+                          </a:rPr>
+                          <m:t>𝑑𝑒𝑐𝑙</m:t>
+                        </m:r>
+                      </m:e>
+                    </m:bar>
+                  </m:oMath>
+                </a14:m>
+                <a:r>
+                  <a:rPr lang="en-US" b="0" dirty="0"/>
+                  <a:t>"F"      &lt;obj @ 0&gt;</a:t>
+                </a:r>
+              </a:p>
+            </p:txBody>
+          </p:sp>
+        </mc:Choice>
+        <mc:Fallback xmlns="">
+          <p:sp>
+            <p:nvSpPr>
+              <p:cNvPr id="7" name="TextBox 6">
+                <a:extLst>
+                  <a:ext uri="{FF2B5EF4-FFF2-40B4-BE49-F238E27FC236}">
+                    <a16:creationId xmlns:a16="http://schemas.microsoft.com/office/drawing/2014/main" id="{EFB194C7-3011-4250-81BA-487BC3761C63}"/>
+                  </a:ext>
+                </a:extLst>
+              </p:cNvPr>
+              <p:cNvSpPr txBox="1">
+                <a:spLocks noRot="1" noChangeAspect="1" noMove="1" noResize="1" noEditPoints="1" noAdjustHandles="1" noChangeArrowheads="1" noChangeShapeType="1" noTextEdit="1"/>
+              </p:cNvSpPr>
+              <p:nvPr/>
+            </p:nvSpPr>
+            <p:spPr>
+              <a:xfrm>
+                <a:off x="6562864" y="2245229"/>
+                <a:ext cx="5095736" cy="2083647"/>
+              </a:xfrm>
+              <a:prstGeom prst="rect">
+                <a:avLst/>
+              </a:prstGeom>
+              <a:blipFill>
+                <a:blip r:embed="rId3"/>
+                <a:stretch>
+                  <a:fillRect l="-832" t="-576" b="-2305"/>
+                </a:stretch>
+              </a:blipFill>
+              <a:ln w="28575">
+                <a:solidFill>
+                  <a:schemeClr val="accent1"/>
+                </a:solidFill>
+              </a:ln>
+            </p:spPr>
+            <p:txBody>
+              <a:bodyPr/>
+              <a:lstStyle/>
+              <a:p>
+                <a:r>
+                  <a:rPr lang="en-US">
+                    <a:noFill/>
+                  </a:rPr>
+                  <a:t> </a:t>
+                </a:r>
+              </a:p>
+            </p:txBody>
+          </p:sp>
+        </mc:Fallback>
+      </mc:AlternateContent>
+      <mc:AlternateContent xmlns:mc="http://schemas.openxmlformats.org/markup-compatibility/2006" xmlns:a14="http://schemas.microsoft.com/office/drawing/2010/main">
+        <mc:Choice Requires="a14">
+          <p:sp>
+            <p:nvSpPr>
+              <p:cNvPr id="9" name="TextBox 8">
+                <a:extLst>
+                  <a:ext uri="{FF2B5EF4-FFF2-40B4-BE49-F238E27FC236}">
+                    <a16:creationId xmlns:a16="http://schemas.microsoft.com/office/drawing/2014/main" id="{EF9CDF63-4034-470E-99C9-B0CE8B282889}"/>
+                  </a:ext>
+                </a:extLst>
+              </p:cNvPr>
+              <p:cNvSpPr txBox="1"/>
+              <p:nvPr/>
+            </p:nvSpPr>
+            <p:spPr>
+              <a:xfrm>
+                <a:off x="6565704" y="4478821"/>
+                <a:ext cx="5095736" cy="1226490"/>
+              </a:xfrm>
+              <a:prstGeom prst="rect">
+                <a:avLst/>
+              </a:prstGeom>
+              <a:noFill/>
+              <a:ln w="28575">
+                <a:solidFill>
+                  <a:schemeClr val="accent1"/>
+                </a:solidFill>
+              </a:ln>
+            </p:spPr>
+            <p:txBody>
+              <a:bodyPr wrap="square" rtlCol="0">
+                <a:spAutoFit/>
+              </a:bodyPr>
+              <a:lstStyle>
+                <a:defPPr>
+                  <a:defRPr lang="en-US"/>
+                </a:defPPr>
+                <a:lvl1pPr>
+                  <a:defRPr b="1">
+                    <a:latin typeface="Lucida Console" panose="020B0609040504020204" pitchFamily="49" charset="0"/>
+                  </a:defRPr>
+                </a:lvl1pPr>
+              </a:lstStyle>
+              <a:p>
+                <a:r>
+                  <a:rPr lang="en-US" b="0" dirty="0"/>
+                  <a:t>Pop *block* </a:t>
+                </a:r>
+              </a:p>
+              <a:p>
+                <a:r>
+                  <a:rPr lang="en-US" b="0" dirty="0"/>
+                  <a:t> STACK</a:t>
+                </a:r>
+              </a:p>
+              <a:p>
+                <a:r>
+                  <a:rPr lang="en-US" b="0" dirty="0"/>
+                  <a:t>  </a:t>
+                </a:r>
+                <a14:m>
+                  <m:oMath xmlns:m="http://schemas.openxmlformats.org/officeDocument/2006/math">
+                    <m:bar>
+                      <m:barPr>
+                        <m:ctrlPr>
+                          <a:rPr lang="en-US" b="0" i="1" smtClean="0">
+                            <a:latin typeface="Cambria Math" panose="02040503050406030204" pitchFamily="18" charset="0"/>
+                          </a:rPr>
+                        </m:ctrlPr>
+                      </m:barPr>
+                      <m:e>
+                        <m:r>
+                          <a:rPr lang="en-US" b="0" i="1" smtClean="0">
+                            <a:latin typeface="Cambria Math" panose="02040503050406030204" pitchFamily="18" charset="0"/>
+                          </a:rPr>
+                          <m:t>𝑑𝑒𝑐𝑙</m:t>
+                        </m:r>
+                      </m:e>
+                    </m:bar>
+                  </m:oMath>
+                </a14:m>
+                <a:r>
+                  <a:rPr lang="en-US" b="0" dirty="0"/>
+                  <a:t>"T"    &lt;obj @ 1&gt;</a:t>
+                </a:r>
+              </a:p>
+              <a:p>
+                <a:r>
+                  <a:rPr lang="en-US" b="0" dirty="0"/>
+                  <a:t>  </a:t>
+                </a:r>
+                <a14:m>
+                  <m:oMath xmlns:m="http://schemas.openxmlformats.org/officeDocument/2006/math">
+                    <m:bar>
+                      <m:barPr>
+                        <m:ctrlPr>
+                          <a:rPr lang="en-US" b="0" i="1" smtClean="0">
+                            <a:latin typeface="Cambria Math" panose="02040503050406030204" pitchFamily="18" charset="0"/>
+                          </a:rPr>
+                        </m:ctrlPr>
+                      </m:barPr>
+                      <m:e>
+                        <m:r>
+                          <a:rPr lang="en-US" b="0" i="1" smtClean="0">
+                            <a:latin typeface="Cambria Math" panose="02040503050406030204" pitchFamily="18" charset="0"/>
+                          </a:rPr>
+                          <m:t>𝑑𝑒𝑐𝑙</m:t>
+                        </m:r>
+                      </m:e>
+                    </m:bar>
+                  </m:oMath>
+                </a14:m>
+                <a:r>
+                  <a:rPr lang="en-US" b="0" dirty="0"/>
+                  <a:t>"F"    &lt;obj @ 0&gt;</a:t>
+                </a:r>
+              </a:p>
+            </p:txBody>
+          </p:sp>
+        </mc:Choice>
+        <mc:Fallback xmlns="">
+          <p:sp>
+            <p:nvSpPr>
+              <p:cNvPr id="9" name="TextBox 8">
+                <a:extLst>
+                  <a:ext uri="{FF2B5EF4-FFF2-40B4-BE49-F238E27FC236}">
+                    <a16:creationId xmlns:a16="http://schemas.microsoft.com/office/drawing/2014/main" id="{EF9CDF63-4034-470E-99C9-B0CE8B282889}"/>
+                  </a:ext>
+                </a:extLst>
+              </p:cNvPr>
+              <p:cNvSpPr txBox="1">
+                <a:spLocks noRot="1" noChangeAspect="1" noMove="1" noResize="1" noEditPoints="1" noAdjustHandles="1" noChangeArrowheads="1" noChangeShapeType="1" noTextEdit="1"/>
+              </p:cNvSpPr>
+              <p:nvPr/>
+            </p:nvSpPr>
+            <p:spPr>
+              <a:xfrm>
+                <a:off x="6565704" y="4478821"/>
+                <a:ext cx="5095736" cy="1226490"/>
+              </a:xfrm>
+              <a:prstGeom prst="rect">
+                <a:avLst/>
+              </a:prstGeom>
+              <a:blipFill>
+                <a:blip r:embed="rId4"/>
+                <a:stretch>
+                  <a:fillRect l="-713" t="-1456" b="-4854"/>
+                </a:stretch>
+              </a:blipFill>
+              <a:ln w="28575">
+                <a:solidFill>
+                  <a:schemeClr val="accent1"/>
+                </a:solidFill>
+              </a:ln>
+            </p:spPr>
+            <p:txBody>
+              <a:bodyPr/>
+              <a:lstStyle/>
+              <a:p>
+                <a:r>
+                  <a:rPr lang="en-US">
+                    <a:noFill/>
+                  </a:rPr>
+                  <a:t> </a:t>
+                </a:r>
+              </a:p>
+            </p:txBody>
+          </p:sp>
+        </mc:Fallback>
+      </mc:AlternateContent>
+      <p:sp>
+        <p:nvSpPr>
+          <p:cNvPr id="10" name="TextBox 9">
+            <a:extLst>
+              <a:ext uri="{FF2B5EF4-FFF2-40B4-BE49-F238E27FC236}">
+                <a16:creationId xmlns:a16="http://schemas.microsoft.com/office/drawing/2014/main" id="{28CA967B-1DDD-436E-BBD4-E46AA3B02A7B}"/>
+              </a:ext>
+            </a:extLst>
+          </p:cNvPr>
+          <p:cNvSpPr txBox="1"/>
+          <p:nvPr/>
+        </p:nvSpPr>
+        <p:spPr>
+          <a:xfrm>
+            <a:off x="6562864" y="5887789"/>
+            <a:ext cx="5095736" cy="646331"/>
+          </a:xfrm>
+          <a:prstGeom prst="rect">
+            <a:avLst/>
+          </a:prstGeom>
+          <a:noFill/>
+          <a:ln w="28575">
+            <a:solidFill>
+              <a:schemeClr val="accent1"/>
+            </a:solidFill>
+          </a:ln>
+        </p:spPr>
+        <p:txBody>
+          <a:bodyPr wrap="square" rtlCol="0">
+            <a:spAutoFit/>
+          </a:bodyPr>
+          <a:lstStyle>
+            <a:defPPr>
+              <a:defRPr lang="en-US"/>
+            </a:defPPr>
+            <a:lvl1pPr>
+              <a:defRPr b="1">
+                <a:latin typeface="Lucida Console" panose="020B0609040504020204" pitchFamily="49" charset="0"/>
+              </a:defRPr>
+            </a:lvl1pPr>
+          </a:lstStyle>
+          <a:p>
+            <a:r>
+              <a:rPr lang="en-US" b="0" dirty="0"/>
+              <a:t>Assign “X” to variable “F”</a:t>
+            </a:r>
+          </a:p>
+          <a:p>
+            <a:r>
+              <a:rPr lang="en-US" b="0" dirty="0"/>
+              <a:t> Error: “X” not found in stack. </a:t>
+            </a:r>
+          </a:p>
+        </p:txBody>
+      </p:sp>
+      <p:sp>
+        <p:nvSpPr>
+          <p:cNvPr id="11" name="Oval 10">
+            <a:extLst>
+              <a:ext uri="{FF2B5EF4-FFF2-40B4-BE49-F238E27FC236}">
+                <a16:creationId xmlns:a16="http://schemas.microsoft.com/office/drawing/2014/main" id="{A11A814A-B28B-4C9C-BE7D-B86DB7426E02}"/>
+              </a:ext>
+            </a:extLst>
+          </p:cNvPr>
+          <p:cNvSpPr/>
+          <p:nvPr/>
+        </p:nvSpPr>
+        <p:spPr>
+          <a:xfrm>
+            <a:off x="2483029" y="3045532"/>
+            <a:ext cx="173447" cy="173447"/>
+          </a:xfrm>
+          <a:prstGeom prst="ellipse">
+            <a:avLst/>
+          </a:prstGeom>
+          <a:ln>
+            <a:noFill/>
+          </a:ln>
+        </p:spPr>
+        <p:style>
+          <a:lnRef idx="2">
+            <a:schemeClr val="accent1">
+              <a:shade val="50000"/>
+            </a:schemeClr>
+          </a:lnRef>
+          <a:fillRef idx="1">
+            <a:schemeClr val="accent1"/>
+          </a:fillRef>
+          <a:effectRef idx="0">
+            <a:schemeClr val="accent1"/>
+          </a:effectRef>
+          <a:fontRef idx="minor">
+            <a:schemeClr val="lt1"/>
+          </a:fontRef>
+        </p:style>
+        <p:txBody>
+          <a:bodyPr rtlCol="0" anchor="ctr"/>
+          <a:lstStyle/>
+          <a:p>
+            <a:pPr algn="ctr"/>
+            <a:endParaRPr lang="en-US"/>
+          </a:p>
+        </p:txBody>
+      </p:sp>
+      <p:cxnSp>
+        <p:nvCxnSpPr>
+          <p:cNvPr id="12" name="Connector: Elbow 11">
+            <a:extLst>
+              <a:ext uri="{FF2B5EF4-FFF2-40B4-BE49-F238E27FC236}">
+                <a16:creationId xmlns:a16="http://schemas.microsoft.com/office/drawing/2014/main" id="{0D3A7D7A-DCAE-44D0-B464-3E8C7E12237A}"/>
+              </a:ext>
+            </a:extLst>
+          </p:cNvPr>
+          <p:cNvCxnSpPr>
+            <a:cxnSpLocks/>
+            <a:stCxn id="11" idx="6"/>
+            <a:endCxn id="7" idx="1"/>
+          </p:cNvCxnSpPr>
+          <p:nvPr/>
+        </p:nvCxnSpPr>
+        <p:spPr>
+          <a:xfrm>
+            <a:off x="2656476" y="3132256"/>
+            <a:ext cx="3906388" cy="154797"/>
+          </a:xfrm>
+          <a:prstGeom prst="curvedConnector3">
+            <a:avLst>
+              <a:gd name="adj1" fmla="val 58268"/>
+            </a:avLst>
+          </a:prstGeom>
+          <a:ln w="38100">
+            <a:solidFill>
+              <a:schemeClr val="accent1"/>
+            </a:solidFill>
+            <a:headEnd type="none" w="med" len="med"/>
+            <a:tailEnd type="none" w="med" len="med"/>
+          </a:ln>
+        </p:spPr>
+        <p:style>
+          <a:lnRef idx="1">
+            <a:schemeClr val="accent1"/>
+          </a:lnRef>
+          <a:fillRef idx="0">
+            <a:schemeClr val="accent1"/>
+          </a:fillRef>
+          <a:effectRef idx="0">
+            <a:schemeClr val="accent1"/>
+          </a:effectRef>
+          <a:fontRef idx="minor">
+            <a:schemeClr val="tx1"/>
+          </a:fontRef>
+        </p:style>
+      </p:cxnSp>
+      <p:sp>
+        <p:nvSpPr>
+          <p:cNvPr id="13" name="Oval 12">
+            <a:extLst>
+              <a:ext uri="{FF2B5EF4-FFF2-40B4-BE49-F238E27FC236}">
+                <a16:creationId xmlns:a16="http://schemas.microsoft.com/office/drawing/2014/main" id="{9B2601DB-A11C-4E3F-80A5-167668DB7983}"/>
+              </a:ext>
+            </a:extLst>
+          </p:cNvPr>
+          <p:cNvSpPr/>
+          <p:nvPr/>
+        </p:nvSpPr>
+        <p:spPr>
+          <a:xfrm>
+            <a:off x="2649652" y="2682955"/>
+            <a:ext cx="173447" cy="173447"/>
+          </a:xfrm>
+          <a:prstGeom prst="ellipse">
+            <a:avLst/>
+          </a:prstGeom>
+          <a:ln>
+            <a:noFill/>
+          </a:ln>
+        </p:spPr>
+        <p:style>
+          <a:lnRef idx="2">
+            <a:schemeClr val="accent1">
+              <a:shade val="50000"/>
+            </a:schemeClr>
+          </a:lnRef>
+          <a:fillRef idx="1">
+            <a:schemeClr val="accent1"/>
+          </a:fillRef>
+          <a:effectRef idx="0">
+            <a:schemeClr val="accent1"/>
+          </a:effectRef>
+          <a:fontRef idx="minor">
+            <a:schemeClr val="lt1"/>
+          </a:fontRef>
+        </p:style>
+        <p:txBody>
+          <a:bodyPr rtlCol="0" anchor="ctr"/>
+          <a:lstStyle/>
+          <a:p>
+            <a:pPr algn="ctr"/>
+            <a:endParaRPr lang="en-US"/>
+          </a:p>
+        </p:txBody>
+      </p:sp>
+      <p:cxnSp>
+        <p:nvCxnSpPr>
+          <p:cNvPr id="14" name="Connector: Elbow 13">
+            <a:extLst>
+              <a:ext uri="{FF2B5EF4-FFF2-40B4-BE49-F238E27FC236}">
+                <a16:creationId xmlns:a16="http://schemas.microsoft.com/office/drawing/2014/main" id="{B817723F-2F23-45D4-92A5-30239B77E819}"/>
+              </a:ext>
+            </a:extLst>
+          </p:cNvPr>
+          <p:cNvCxnSpPr>
+            <a:cxnSpLocks/>
+            <a:endCxn id="9" idx="1"/>
+          </p:cNvCxnSpPr>
+          <p:nvPr/>
+        </p:nvCxnSpPr>
+        <p:spPr>
+          <a:xfrm>
+            <a:off x="2823099" y="2769678"/>
+            <a:ext cx="3742605" cy="2322388"/>
+          </a:xfrm>
+          <a:prstGeom prst="curvedConnector3">
+            <a:avLst>
+              <a:gd name="adj1" fmla="val 34198"/>
+            </a:avLst>
+          </a:prstGeom>
+          <a:ln w="38100">
+            <a:solidFill>
+              <a:schemeClr val="accent1"/>
+            </a:solidFill>
+            <a:headEnd type="none" w="med" len="med"/>
+            <a:tailEnd type="none" w="med" len="med"/>
+          </a:ln>
+        </p:spPr>
+        <p:style>
+          <a:lnRef idx="1">
+            <a:schemeClr val="accent1"/>
+          </a:lnRef>
+          <a:fillRef idx="0">
+            <a:schemeClr val="accent1"/>
+          </a:fillRef>
+          <a:effectRef idx="0">
+            <a:schemeClr val="accent1"/>
+          </a:effectRef>
+          <a:fontRef idx="minor">
+            <a:schemeClr val="tx1"/>
+          </a:fontRef>
+        </p:style>
+      </p:cxnSp>
+      <p:sp>
+        <p:nvSpPr>
+          <p:cNvPr id="15" name="Oval 14">
+            <a:extLst>
+              <a:ext uri="{FF2B5EF4-FFF2-40B4-BE49-F238E27FC236}">
+                <a16:creationId xmlns:a16="http://schemas.microsoft.com/office/drawing/2014/main" id="{1305506E-ECAF-4373-9167-DF2F02A32C69}"/>
+              </a:ext>
+            </a:extLst>
+          </p:cNvPr>
+          <p:cNvSpPr/>
+          <p:nvPr/>
+        </p:nvSpPr>
+        <p:spPr>
+          <a:xfrm>
+            <a:off x="4126737" y="1276838"/>
+            <a:ext cx="173447" cy="173447"/>
+          </a:xfrm>
+          <a:prstGeom prst="ellipse">
+            <a:avLst/>
+          </a:prstGeom>
+          <a:ln>
+            <a:noFill/>
+          </a:ln>
+        </p:spPr>
+        <p:style>
+          <a:lnRef idx="2">
+            <a:schemeClr val="accent1">
+              <a:shade val="50000"/>
+            </a:schemeClr>
+          </a:lnRef>
+          <a:fillRef idx="1">
+            <a:schemeClr val="accent1"/>
+          </a:fillRef>
+          <a:effectRef idx="0">
+            <a:schemeClr val="accent1"/>
+          </a:effectRef>
+          <a:fontRef idx="minor">
+            <a:schemeClr val="lt1"/>
+          </a:fontRef>
+        </p:style>
+        <p:txBody>
+          <a:bodyPr rtlCol="0" anchor="ctr"/>
+          <a:lstStyle/>
+          <a:p>
+            <a:pPr algn="ctr"/>
+            <a:endParaRPr lang="en-US"/>
+          </a:p>
+        </p:txBody>
+      </p:sp>
+      <p:cxnSp>
+        <p:nvCxnSpPr>
+          <p:cNvPr id="17" name="Connector: Elbow 16">
+            <a:extLst>
+              <a:ext uri="{FF2B5EF4-FFF2-40B4-BE49-F238E27FC236}">
+                <a16:creationId xmlns:a16="http://schemas.microsoft.com/office/drawing/2014/main" id="{A4235BCA-25E3-4CBF-A8E2-7EC760B9044E}"/>
+              </a:ext>
+            </a:extLst>
+          </p:cNvPr>
+          <p:cNvCxnSpPr>
+            <a:cxnSpLocks/>
+          </p:cNvCxnSpPr>
+          <p:nvPr/>
+        </p:nvCxnSpPr>
+        <p:spPr>
+          <a:xfrm rot="16200000" flipH="1">
+            <a:off x="3007830" y="2655921"/>
+            <a:ext cx="4760668" cy="2349401"/>
+          </a:xfrm>
+          <a:prstGeom prst="curvedConnector2">
+            <a:avLst/>
+          </a:prstGeom>
+          <a:ln w="38100">
+            <a:solidFill>
+              <a:schemeClr val="accent1"/>
+            </a:solidFill>
+            <a:headEnd type="none" w="med" len="med"/>
+            <a:tailEnd type="none" w="med" len="med"/>
+          </a:ln>
+        </p:spPr>
+        <p:style>
+          <a:lnRef idx="1">
+            <a:schemeClr val="accent1"/>
+          </a:lnRef>
+          <a:fillRef idx="0">
+            <a:schemeClr val="accent1"/>
+          </a:fillRef>
+          <a:effectRef idx="0">
+            <a:schemeClr val="accent1"/>
+          </a:effectRef>
+          <a:fontRef idx="minor">
+            <a:schemeClr val="tx1"/>
+          </a:fontRef>
+        </p:style>
+      </p:cxnSp>
+      <p:sp>
+        <p:nvSpPr>
+          <p:cNvPr id="37" name="Arrow: Down 36">
+            <a:extLst>
+              <a:ext uri="{FF2B5EF4-FFF2-40B4-BE49-F238E27FC236}">
+                <a16:creationId xmlns:a16="http://schemas.microsoft.com/office/drawing/2014/main" id="{69905B47-BFDC-407F-8C45-5A8CCD377DB3}"/>
+              </a:ext>
+            </a:extLst>
+          </p:cNvPr>
+          <p:cNvSpPr/>
+          <p:nvPr/>
+        </p:nvSpPr>
+        <p:spPr>
+          <a:xfrm>
+            <a:off x="11191164" y="432179"/>
+            <a:ext cx="934872" cy="5778776"/>
+          </a:xfrm>
+          <a:prstGeom prst="downArrow">
+            <a:avLst>
+              <a:gd name="adj1" fmla="val 50000"/>
+              <a:gd name="adj2" fmla="val 86728"/>
+            </a:avLst>
+          </a:prstGeom>
+        </p:spPr>
+        <p:style>
+          <a:lnRef idx="2">
+            <a:schemeClr val="accent1">
+              <a:shade val="50000"/>
+            </a:schemeClr>
+          </a:lnRef>
+          <a:fillRef idx="1">
+            <a:schemeClr val="accent1"/>
+          </a:fillRef>
+          <a:effectRef idx="0">
+            <a:schemeClr val="accent1"/>
+          </a:effectRef>
+          <a:fontRef idx="minor">
+            <a:schemeClr val="lt1"/>
+          </a:fontRef>
+        </p:style>
+        <p:txBody>
+          <a:bodyPr rtlCol="0" anchor="ctr"/>
+          <a:lstStyle/>
+          <a:p>
+            <a:pPr algn="ctr"/>
+            <a:endParaRPr lang="en-US"/>
+          </a:p>
+        </p:txBody>
+      </p:sp>
+      <p:sp>
+        <p:nvSpPr>
+          <p:cNvPr id="47" name="TextBox 46">
+            <a:extLst>
+              <a:ext uri="{FF2B5EF4-FFF2-40B4-BE49-F238E27FC236}">
+                <a16:creationId xmlns:a16="http://schemas.microsoft.com/office/drawing/2014/main" id="{0C10A908-BA3C-49A2-8C52-B233554E437F}"/>
+              </a:ext>
+            </a:extLst>
+          </p:cNvPr>
+          <p:cNvSpPr txBox="1"/>
+          <p:nvPr/>
+        </p:nvSpPr>
+        <p:spPr>
+          <a:xfrm>
+            <a:off x="6562863" y="210574"/>
+            <a:ext cx="5095736" cy="369332"/>
+          </a:xfrm>
+          <a:prstGeom prst="rect">
+            <a:avLst/>
+          </a:prstGeom>
+          <a:noFill/>
+          <a:ln w="28575">
+            <a:solidFill>
+              <a:schemeClr val="accent1"/>
+            </a:solidFill>
+          </a:ln>
+        </p:spPr>
+        <p:txBody>
+          <a:bodyPr wrap="square" rtlCol="0">
+            <a:spAutoFit/>
+          </a:bodyPr>
+          <a:lstStyle>
+            <a:defPPr>
+              <a:defRPr lang="en-US"/>
+            </a:defPPr>
+            <a:lvl1pPr>
+              <a:defRPr b="1">
+                <a:latin typeface="Lucida Console" panose="020B0609040504020204" pitchFamily="49" charset="0"/>
+              </a:defRPr>
+            </a:lvl1pPr>
+          </a:lstStyle>
+          <a:p>
+            <a:r>
+              <a:rPr lang="en-US" b="0" dirty="0"/>
+              <a:t>...</a:t>
+            </a:r>
+          </a:p>
+        </p:txBody>
+      </p:sp>
+    </p:spTree>
+    <p:extLst>
+      <p:ext uri="{BB962C8B-B14F-4D97-AF65-F5344CB8AC3E}">
+        <p14:creationId xmlns:p14="http://schemas.microsoft.com/office/powerpoint/2010/main" val="2113030132"/>
+      </p:ext>
+    </p:extLst>
+  </p:cSld>
+  <p:clrMapOvr>
+    <a:masterClrMapping/>
+  </p:clrMapOvr>
+</p:sld>
+</file>
+
+<file path=ppt/slides/slide64.xml><?xml version="1.0" encoding="utf-8"?>
+<p:sld xmlns:a="http://schemas.openxmlformats.org/drawingml/2006/main" xmlns:r="http://schemas.openxmlformats.org/officeDocument/2006/relationships" xmlns:p="http://schemas.openxmlformats.org/presentationml/2006/main">
+  <p:cSld>
+    <p:spTree>
+      <p:nvGrpSpPr>
+        <p:cNvPr id="1" name=""/>
+        <p:cNvGrpSpPr/>
+        <p:nvPr/>
+      </p:nvGrpSpPr>
+      <p:grpSpPr>
+        <a:xfrm>
+          <a:off x="0" y="0"/>
+          <a:ext cx="0" cy="0"/>
+          <a:chOff x="0" y="0"/>
+          <a:chExt cx="0" cy="0"/>
+        </a:xfrm>
+      </p:grpSpPr>
+      <mc:AlternateContent xmlns:mc="http://schemas.openxmlformats.org/markup-compatibility/2006" xmlns:a14="http://schemas.microsoft.com/office/drawing/2010/main">
+        <mc:Choice Requires="a14">
+          <p:sp>
+            <p:nvSpPr>
+              <p:cNvPr id="3" name="Content Placeholder 2">
+                <a:extLst>
+                  <a:ext uri="{FF2B5EF4-FFF2-40B4-BE49-F238E27FC236}">
+                    <a16:creationId xmlns:a16="http://schemas.microsoft.com/office/drawing/2014/main" id="{0058AF44-D673-45DF-A866-29524F8839CB}"/>
+                  </a:ext>
+                </a:extLst>
+              </p:cNvPr>
+              <p:cNvSpPr>
+                <a:spLocks noGrp="1"/>
+              </p:cNvSpPr>
+              <p:nvPr>
+                <p:ph idx="1"/>
+              </p:nvPr>
+            </p:nvSpPr>
+            <p:spPr/>
+            <p:txBody>
+              <a:bodyPr/>
+              <a:lstStyle/>
+              <a:p>
+                <a:r>
+                  <a:rPr lang="en-US" dirty="0"/>
+                  <a:t>Different branches in a parallelism operate the same stack. </a:t>
+                </a:r>
+              </a:p>
+              <a:p>
+                <a:r>
+                  <a:rPr lang="en-US" dirty="0"/>
+                  <a:t>In this test, the </a:t>
+                </a:r>
+                <a14:m>
+                  <m:oMath xmlns:m="http://schemas.openxmlformats.org/officeDocument/2006/math">
+                    <m:bar>
+                      <m:barPr>
+                        <m:ctrlPr>
+                          <a:rPr lang="en-US" b="0" i="1" smtClean="0">
+                            <a:latin typeface="Cambria Math" panose="02040503050406030204" pitchFamily="18" charset="0"/>
+                          </a:rPr>
+                        </m:ctrlPr>
+                      </m:barPr>
+                      <m:e>
+                        <m:r>
+                          <a:rPr lang="en-US" b="0" i="1" smtClean="0">
+                            <a:latin typeface="Cambria Math" panose="02040503050406030204" pitchFamily="18" charset="0"/>
+                          </a:rPr>
+                          <m:t>𝑏𝑙𝑜𝑐𝑘</m:t>
+                        </m:r>
+                      </m:e>
+                    </m:bar>
+                  </m:oMath>
+                </a14:m>
+                <a:r>
+                  <a:rPr lang="en-US" dirty="0"/>
+                  <a:t> created by </a:t>
+                </a:r>
+                <a14:m>
+                  <m:oMath xmlns:m="http://schemas.openxmlformats.org/officeDocument/2006/math">
+                    <m:bar>
+                      <m:barPr>
+                        <m:ctrlPr>
+                          <a:rPr lang="en-US" b="0" i="1" smtClean="0">
+                            <a:latin typeface="Cambria Math" panose="02040503050406030204" pitchFamily="18" charset="0"/>
+                          </a:rPr>
+                        </m:ctrlPr>
+                      </m:barPr>
+                      <m:e>
+                        <m:r>
+                          <a:rPr lang="en-US" b="0" i="1" smtClean="0">
+                            <a:latin typeface="Cambria Math" panose="02040503050406030204" pitchFamily="18" charset="0"/>
+                          </a:rPr>
+                          <m:t>𝑑𝑒𝑐𝑙</m:t>
+                        </m:r>
+                      </m:e>
+                    </m:bar>
+                  </m:oMath>
+                </a14:m>
+                <a:r>
+                  <a:rPr lang="en-US" dirty="0"/>
+                  <a:t> ended up pulling the </a:t>
+                </a:r>
+                <a14:m>
+                  <m:oMath xmlns:m="http://schemas.openxmlformats.org/officeDocument/2006/math">
+                    <m:bar>
+                      <m:barPr>
+                        <m:ctrlPr>
+                          <a:rPr lang="en-US" b="0" i="1" smtClean="0">
+                            <a:latin typeface="Cambria Math" panose="02040503050406030204" pitchFamily="18" charset="0"/>
+                          </a:rPr>
+                        </m:ctrlPr>
+                      </m:barPr>
+                      <m:e>
+                        <m:r>
+                          <a:rPr lang="en-US" b="0" i="1" smtClean="0">
+                            <a:latin typeface="Cambria Math" panose="02040503050406030204" pitchFamily="18" charset="0"/>
+                          </a:rPr>
+                          <m:t>𝑐𝑎𝑙𝑙</m:t>
+                        </m:r>
+                      </m:e>
+                    </m:bar>
+                  </m:oMath>
+                </a14:m>
+                <a:r>
+                  <a:rPr lang="en-US" dirty="0"/>
+                  <a:t> frame. This messed up the execution of the procedure body. </a:t>
+                </a:r>
+              </a:p>
+            </p:txBody>
+          </p:sp>
+        </mc:Choice>
+        <mc:Fallback xmlns="">
+          <p:sp>
+            <p:nvSpPr>
+              <p:cNvPr id="3" name="Content Placeholder 2">
+                <a:extLst>
+                  <a:ext uri="{FF2B5EF4-FFF2-40B4-BE49-F238E27FC236}">
+                    <a16:creationId xmlns:a16="http://schemas.microsoft.com/office/drawing/2014/main" id="{0058AF44-D673-45DF-A866-29524F8839CB}"/>
+                  </a:ext>
+                </a:extLst>
+              </p:cNvPr>
+              <p:cNvSpPr>
+                <a:spLocks noGrp="1" noRot="1" noChangeAspect="1" noMove="1" noResize="1" noEditPoints="1" noAdjustHandles="1" noChangeArrowheads="1" noChangeShapeType="1" noTextEdit="1"/>
+              </p:cNvSpPr>
+              <p:nvPr>
+                <p:ph idx="1"/>
+              </p:nvPr>
+            </p:nvSpPr>
+            <p:spPr>
+              <a:blipFill>
+                <a:blip r:embed="rId2"/>
+                <a:stretch>
+                  <a:fillRect l="-1043" t="-2241"/>
+                </a:stretch>
+              </a:blipFill>
+            </p:spPr>
+            <p:txBody>
+              <a:bodyPr/>
+              <a:lstStyle/>
+              <a:p>
+                <a:r>
+                  <a:rPr lang="en-US">
+                    <a:noFill/>
+                  </a:rPr>
+                  <a:t> </a:t>
+                </a:r>
+              </a:p>
+            </p:txBody>
+          </p:sp>
+        </mc:Fallback>
+      </mc:AlternateContent>
+    </p:spTree>
+    <p:extLst>
+      <p:ext uri="{BB962C8B-B14F-4D97-AF65-F5344CB8AC3E}">
+        <p14:creationId xmlns:p14="http://schemas.microsoft.com/office/powerpoint/2010/main" val="534435654"/>
+      </p:ext>
+    </p:extLst>
+  </p:cSld>
+  <p:clrMapOvr>
+    <a:masterClrMapping/>
+  </p:clrMapOvr>
+</p:sld>
+</file>
+
+<file path=ppt/slides/slide65.xml><?xml version="1.0" encoding="utf-8"?>
+<p:sld xmlns:a="http://schemas.openxmlformats.org/drawingml/2006/main" xmlns:r="http://schemas.openxmlformats.org/officeDocument/2006/relationships" xmlns:p="http://schemas.openxmlformats.org/presentationml/2006/main">
+  <p:cSld>
+    <p:spTree>
+      <p:nvGrpSpPr>
+        <p:cNvPr id="1" name=""/>
+        <p:cNvGrpSpPr/>
+        <p:nvPr/>
+      </p:nvGrpSpPr>
+      <p:grpSpPr>
+        <a:xfrm>
+          <a:off x="0" y="0"/>
+          <a:ext cx="0" cy="0"/>
+          <a:chOff x="0" y="0"/>
+          <a:chExt cx="0" cy="0"/>
+        </a:xfrm>
+      </p:grpSpPr>
+      <p:sp>
+        <p:nvSpPr>
+          <p:cNvPr id="4" name="Title 3">
+            <a:extLst>
+              <a:ext uri="{FF2B5EF4-FFF2-40B4-BE49-F238E27FC236}">
                 <a16:creationId xmlns:a16="http://schemas.microsoft.com/office/drawing/2014/main" id="{293EBF5F-135E-4464-8157-E2A379D0C53B}"/>
               </a:ext>
             </a:extLst>
@@ -29755,8 +31697,8 @@
           </a:p>
         </p:txBody>
       </p:sp>
-      <mc:AlternateContent xmlns:mc="http://schemas.openxmlformats.org/markup-compatibility/2006">
-        <mc:Choice xmlns:a14="http://schemas.microsoft.com/office/drawing/2010/main" Requires="a14">
+      <mc:AlternateContent xmlns:mc="http://schemas.openxmlformats.org/markup-compatibility/2006" xmlns:a14="http://schemas.microsoft.com/office/drawing/2010/main">
+        <mc:Choice Requires="a14">
           <p:sp>
             <p:nvSpPr>
               <p:cNvPr id="3" name="Content Placeholder 2">
@@ -30062,7 +32004,7 @@
             </p:txBody>
           </p:sp>
         </mc:Choice>
-        <mc:Fallback>
+        <mc:Fallback xmlns="">
           <p:sp>
             <p:nvSpPr>
               <p:cNvPr id="3" name="Content Placeholder 2">
@@ -30171,8 +32113,8 @@
           </a:p>
         </p:txBody>
       </p:sp>
-      <mc:AlternateContent xmlns:mc="http://schemas.openxmlformats.org/markup-compatibility/2006">
-        <mc:Choice xmlns:a14="http://schemas.microsoft.com/office/drawing/2010/main" Requires="a14">
+      <mc:AlternateContent xmlns:mc="http://schemas.openxmlformats.org/markup-compatibility/2006" xmlns:a14="http://schemas.microsoft.com/office/drawing/2010/main">
+        <mc:Choice Requires="a14">
           <p:sp>
             <p:nvSpPr>
               <p:cNvPr id="3" name="Content Placeholder 2">
@@ -31523,7 +33465,7 @@
             </p:txBody>
           </p:sp>
         </mc:Choice>
-        <mc:Fallback>
+        <mc:Fallback xmlns="">
           <p:sp>
             <p:nvSpPr>
               <p:cNvPr id="3" name="Content Placeholder 2">
